--- a/media/WBZ451-IoT_J402.pptx
+++ b/media/WBZ451-IoT_J402.pptx
@@ -259,7 +259,7 @@
           <a:p>
             <a:fld id="{5E5DD6A7-C01F-874D-8F0A-96B42F5316C1}" type="datetimeFigureOut">
               <a:rPr lang="en-US" smtClean="0"/>
-              <a:t>1/11/23</a:t>
+              <a:t>1/29/23</a:t>
             </a:fld>
             <a:endParaRPr lang="en-US"/>
           </a:p>
@@ -457,7 +457,7 @@
           <a:p>
             <a:fld id="{5E5DD6A7-C01F-874D-8F0A-96B42F5316C1}" type="datetimeFigureOut">
               <a:rPr lang="en-US" smtClean="0"/>
-              <a:t>1/11/23</a:t>
+              <a:t>1/29/23</a:t>
             </a:fld>
             <a:endParaRPr lang="en-US"/>
           </a:p>
@@ -665,7 +665,7 @@
           <a:p>
             <a:fld id="{5E5DD6A7-C01F-874D-8F0A-96B42F5316C1}" type="datetimeFigureOut">
               <a:rPr lang="en-US" smtClean="0"/>
-              <a:t>1/11/23</a:t>
+              <a:t>1/29/23</a:t>
             </a:fld>
             <a:endParaRPr lang="en-US"/>
           </a:p>
@@ -863,7 +863,7 @@
           <a:p>
             <a:fld id="{5E5DD6A7-C01F-874D-8F0A-96B42F5316C1}" type="datetimeFigureOut">
               <a:rPr lang="en-US" smtClean="0"/>
-              <a:t>1/11/23</a:t>
+              <a:t>1/29/23</a:t>
             </a:fld>
             <a:endParaRPr lang="en-US"/>
           </a:p>
@@ -1138,7 +1138,7 @@
           <a:p>
             <a:fld id="{5E5DD6A7-C01F-874D-8F0A-96B42F5316C1}" type="datetimeFigureOut">
               <a:rPr lang="en-US" smtClean="0"/>
-              <a:t>1/11/23</a:t>
+              <a:t>1/29/23</a:t>
             </a:fld>
             <a:endParaRPr lang="en-US"/>
           </a:p>
@@ -1403,7 +1403,7 @@
           <a:p>
             <a:fld id="{5E5DD6A7-C01F-874D-8F0A-96B42F5316C1}" type="datetimeFigureOut">
               <a:rPr lang="en-US" smtClean="0"/>
-              <a:t>1/11/23</a:t>
+              <a:t>1/29/23</a:t>
             </a:fld>
             <a:endParaRPr lang="en-US"/>
           </a:p>
@@ -1815,7 +1815,7 @@
           <a:p>
             <a:fld id="{5E5DD6A7-C01F-874D-8F0A-96B42F5316C1}" type="datetimeFigureOut">
               <a:rPr lang="en-US" smtClean="0"/>
-              <a:t>1/11/23</a:t>
+              <a:t>1/29/23</a:t>
             </a:fld>
             <a:endParaRPr lang="en-US"/>
           </a:p>
@@ -1956,7 +1956,7 @@
           <a:p>
             <a:fld id="{5E5DD6A7-C01F-874D-8F0A-96B42F5316C1}" type="datetimeFigureOut">
               <a:rPr lang="en-US" smtClean="0"/>
-              <a:t>1/11/23</a:t>
+              <a:t>1/29/23</a:t>
             </a:fld>
             <a:endParaRPr lang="en-US"/>
           </a:p>
@@ -2069,7 +2069,7 @@
           <a:p>
             <a:fld id="{5E5DD6A7-C01F-874D-8F0A-96B42F5316C1}" type="datetimeFigureOut">
               <a:rPr lang="en-US" smtClean="0"/>
-              <a:t>1/11/23</a:t>
+              <a:t>1/29/23</a:t>
             </a:fld>
             <a:endParaRPr lang="en-US"/>
           </a:p>
@@ -2380,7 +2380,7 @@
           <a:p>
             <a:fld id="{5E5DD6A7-C01F-874D-8F0A-96B42F5316C1}" type="datetimeFigureOut">
               <a:rPr lang="en-US" smtClean="0"/>
-              <a:t>1/11/23</a:t>
+              <a:t>1/29/23</a:t>
             </a:fld>
             <a:endParaRPr lang="en-US"/>
           </a:p>
@@ -2668,7 +2668,7 @@
           <a:p>
             <a:fld id="{5E5DD6A7-C01F-874D-8F0A-96B42F5316C1}" type="datetimeFigureOut">
               <a:rPr lang="en-US" smtClean="0"/>
-              <a:t>1/11/23</a:t>
+              <a:t>1/29/23</a:t>
             </a:fld>
             <a:endParaRPr lang="en-US"/>
           </a:p>
@@ -2909,7 +2909,7 @@
           <a:p>
             <a:fld id="{5E5DD6A7-C01F-874D-8F0A-96B42F5316C1}" type="datetimeFigureOut">
               <a:rPr lang="en-US" smtClean="0"/>
-              <a:t>1/11/23</a:t>
+              <a:t>1/29/23</a:t>
             </a:fld>
             <a:endParaRPr lang="en-US"/>
           </a:p>
@@ -3771,6 +3771,130 @@
           </a:fontRef>
         </p:style>
       </p:cxnSp>
+      <p:cxnSp>
+        <p:nvCxnSpPr>
+          <p:cNvPr id="2" name="Straight Arrow Connector 1">
+            <a:extLst>
+              <a:ext uri="{FF2B5EF4-FFF2-40B4-BE49-F238E27FC236}">
+                <a16:creationId xmlns:a16="http://schemas.microsoft.com/office/drawing/2014/main" id="{F6B828AE-05FA-40EE-0F25-3C7945BE2EF8}"/>
+              </a:ext>
+            </a:extLst>
+          </p:cNvPr>
+          <p:cNvCxnSpPr/>
+          <p:nvPr/>
+        </p:nvCxnSpPr>
+        <p:spPr>
+          <a:xfrm flipV="1">
+            <a:off x="2461268" y="2117419"/>
+            <a:ext cx="0" cy="683172"/>
+          </a:xfrm>
+          <a:prstGeom prst="straightConnector1">
+            <a:avLst/>
+          </a:prstGeom>
+          <a:ln w="25400">
+            <a:solidFill>
+              <a:srgbClr val="00B050"/>
+            </a:solidFill>
+            <a:tailEnd type="triangle"/>
+          </a:ln>
+        </p:spPr>
+        <p:style>
+          <a:lnRef idx="1">
+            <a:schemeClr val="accent1"/>
+          </a:lnRef>
+          <a:fillRef idx="0">
+            <a:schemeClr val="accent1"/>
+          </a:fillRef>
+          <a:effectRef idx="0">
+            <a:schemeClr val="accent1"/>
+          </a:effectRef>
+          <a:fontRef idx="minor">
+            <a:schemeClr val="tx1"/>
+          </a:fontRef>
+        </p:style>
+      </p:cxnSp>
+      <p:sp>
+        <p:nvSpPr>
+          <p:cNvPr id="3" name="Left-Right Arrow 2">
+            <a:extLst>
+              <a:ext uri="{FF2B5EF4-FFF2-40B4-BE49-F238E27FC236}">
+                <a16:creationId xmlns:a16="http://schemas.microsoft.com/office/drawing/2014/main" id="{41A23CA8-025C-7A9A-ADB7-C3D6298D10DD}"/>
+              </a:ext>
+            </a:extLst>
+          </p:cNvPr>
+          <p:cNvSpPr/>
+          <p:nvPr/>
+        </p:nvSpPr>
+        <p:spPr>
+          <a:xfrm>
+            <a:off x="3961696" y="4234237"/>
+            <a:ext cx="912410" cy="294290"/>
+          </a:xfrm>
+          <a:prstGeom prst="leftRightArrow">
+            <a:avLst/>
+          </a:prstGeom>
+        </p:spPr>
+        <p:style>
+          <a:lnRef idx="2">
+            <a:schemeClr val="accent1">
+              <a:shade val="50000"/>
+            </a:schemeClr>
+          </a:lnRef>
+          <a:fillRef idx="1">
+            <a:schemeClr val="accent1"/>
+          </a:fillRef>
+          <a:effectRef idx="0">
+            <a:schemeClr val="accent1"/>
+          </a:effectRef>
+          <a:fontRef idx="minor">
+            <a:schemeClr val="lt1"/>
+          </a:fontRef>
+        </p:style>
+        <p:txBody>
+          <a:bodyPr rtlCol="0" anchor="ctr"/>
+          <a:lstStyle/>
+          <a:p>
+            <a:pPr algn="ctr"/>
+            <a:endParaRPr lang="en-US"/>
+          </a:p>
+        </p:txBody>
+      </p:sp>
+      <p:sp>
+        <p:nvSpPr>
+          <p:cNvPr id="4" name="TextBox 3">
+            <a:extLst>
+              <a:ext uri="{FF2B5EF4-FFF2-40B4-BE49-F238E27FC236}">
+                <a16:creationId xmlns:a16="http://schemas.microsoft.com/office/drawing/2014/main" id="{9113C356-617B-0FF4-6697-D8AF49C88999}"/>
+              </a:ext>
+            </a:extLst>
+          </p:cNvPr>
+          <p:cNvSpPr txBox="1"/>
+          <p:nvPr/>
+        </p:nvSpPr>
+        <p:spPr>
+          <a:xfrm>
+            <a:off x="3363309" y="4186206"/>
+            <a:ext cx="650937" cy="369332"/>
+          </a:xfrm>
+          <a:prstGeom prst="rect">
+            <a:avLst/>
+          </a:prstGeom>
+          <a:noFill/>
+        </p:spPr>
+        <p:txBody>
+          <a:bodyPr wrap="square" rtlCol="0">
+            <a:spAutoFit/>
+          </a:bodyPr>
+          <a:lstStyle/>
+          <a:p>
+            <a:pPr algn="r"/>
+            <a:r>
+              <a:rPr lang="en-US" dirty="0"/>
+              <a:t>GND</a:t>
+            </a:r>
+          </a:p>
+        </p:txBody>
+      </p:sp>
     </p:spTree>
     <p:extLst>
       <p:ext uri="{BB962C8B-B14F-4D97-AF65-F5344CB8AC3E}">

--- a/media/WBZ451-IoT_J402.pptx
+++ b/media/WBZ451-IoT_J402.pptx
@@ -3738,13 +3738,16 @@
               </a:ext>
             </a:extLst>
           </p:cNvPr>
-          <p:cNvCxnSpPr/>
+          <p:cNvCxnSpPr>
+            <a:cxnSpLocks/>
+            <a:stCxn id="11" idx="0"/>
+          </p:cNvCxnSpPr>
           <p:nvPr/>
         </p:nvCxnSpPr>
         <p:spPr>
-          <a:xfrm flipV="1">
-            <a:off x="3191737" y="2121535"/>
-            <a:ext cx="0" cy="683172"/>
+          <a:xfrm flipH="1" flipV="1">
+            <a:off x="3191737" y="2133892"/>
+            <a:ext cx="6214" cy="777240"/>
           </a:xfrm>
           <a:prstGeom prst="straightConnector1">
             <a:avLst/>
@@ -3891,6 +3894,123 @@
             <a:r>
               <a:rPr lang="en-US" dirty="0"/>
               <a:t>GND</a:t>
+            </a:r>
+          </a:p>
+        </p:txBody>
+      </p:sp>
+      <p:sp>
+        <p:nvSpPr>
+          <p:cNvPr id="5" name="TextBox 4">
+            <a:extLst>
+              <a:ext uri="{FF2B5EF4-FFF2-40B4-BE49-F238E27FC236}">
+                <a16:creationId xmlns:a16="http://schemas.microsoft.com/office/drawing/2014/main" id="{8A07E683-1A56-E91B-9A8C-A22D0852A972}"/>
+              </a:ext>
+            </a:extLst>
+          </p:cNvPr>
+          <p:cNvSpPr txBox="1"/>
+          <p:nvPr/>
+        </p:nvSpPr>
+        <p:spPr>
+          <a:xfrm>
+            <a:off x="2332729" y="2737091"/>
+            <a:ext cx="273269" cy="261610"/>
+          </a:xfrm>
+          <a:prstGeom prst="rect">
+            <a:avLst/>
+          </a:prstGeom>
+          <a:noFill/>
+        </p:spPr>
+        <p:txBody>
+          <a:bodyPr wrap="square" rtlCol="0">
+            <a:spAutoFit/>
+          </a:bodyPr>
+          <a:lstStyle/>
+          <a:p>
+            <a:r>
+              <a:rPr lang="en-US" sz="1100" dirty="0">
+                <a:solidFill>
+                  <a:srgbClr val="FF0000"/>
+                </a:solidFill>
+              </a:rPr>
+              <a:t>9</a:t>
+            </a:r>
+          </a:p>
+        </p:txBody>
+      </p:sp>
+      <p:sp>
+        <p:nvSpPr>
+          <p:cNvPr id="7" name="TextBox 6">
+            <a:extLst>
+              <a:ext uri="{FF2B5EF4-FFF2-40B4-BE49-F238E27FC236}">
+                <a16:creationId xmlns:a16="http://schemas.microsoft.com/office/drawing/2014/main" id="{F6E95356-054E-F1AE-5842-014C1E22F8F4}"/>
+              </a:ext>
+            </a:extLst>
+          </p:cNvPr>
+          <p:cNvSpPr txBox="1"/>
+          <p:nvPr/>
+        </p:nvSpPr>
+        <p:spPr>
+          <a:xfrm>
+            <a:off x="2889143" y="2734048"/>
+            <a:ext cx="330716" cy="261610"/>
+          </a:xfrm>
+          <a:prstGeom prst="rect">
+            <a:avLst/>
+          </a:prstGeom>
+          <a:noFill/>
+        </p:spPr>
+        <p:txBody>
+          <a:bodyPr wrap="square" rtlCol="0">
+            <a:spAutoFit/>
+          </a:bodyPr>
+          <a:lstStyle/>
+          <a:p>
+            <a:r>
+              <a:rPr lang="en-US" sz="1100" dirty="0">
+                <a:solidFill>
+                  <a:srgbClr val="FF0000"/>
+                </a:solidFill>
+              </a:rPr>
+              <a:t>13</a:t>
+            </a:r>
+          </a:p>
+        </p:txBody>
+      </p:sp>
+      <p:sp>
+        <p:nvSpPr>
+          <p:cNvPr id="11" name="TextBox 10">
+            <a:extLst>
+              <a:ext uri="{FF2B5EF4-FFF2-40B4-BE49-F238E27FC236}">
+                <a16:creationId xmlns:a16="http://schemas.microsoft.com/office/drawing/2014/main" id="{B2356472-02DD-4D06-A961-2D22481F198D}"/>
+              </a:ext>
+            </a:extLst>
+          </p:cNvPr>
+          <p:cNvSpPr txBox="1"/>
+          <p:nvPr/>
+        </p:nvSpPr>
+        <p:spPr>
+          <a:xfrm>
+            <a:off x="3032593" y="2838430"/>
+            <a:ext cx="330716" cy="261610"/>
+          </a:xfrm>
+          <a:prstGeom prst="rect">
+            <a:avLst/>
+          </a:prstGeom>
+          <a:noFill/>
+        </p:spPr>
+        <p:txBody>
+          <a:bodyPr wrap="square" rtlCol="0">
+            <a:spAutoFit/>
+          </a:bodyPr>
+          <a:lstStyle/>
+          <a:p>
+            <a:r>
+              <a:rPr lang="en-US" sz="1100" dirty="0">
+                <a:solidFill>
+                  <a:srgbClr val="FF0000"/>
+                </a:solidFill>
+              </a:rPr>
+              <a:t>14</a:t>
             </a:r>
           </a:p>
         </p:txBody>
